--- a/베스트셀러로 보는 우리 사회.pptx
+++ b/베스트셀러로 보는 우리 사회.pptx
@@ -20950,7 +20950,7 @@
               </a:avLst>
             </a:prstGeom>
             <a:solidFill>
-              <a:srgbClr val="CFDEEF">
+              <a:srgbClr val="E4AF3D">
                 <a:alpha val="89803"/>
               </a:srgbClr>
             </a:solidFill>
@@ -21066,7 +21066,7 @@
               <a:avLst/>
             </a:prstGeom>
             <a:solidFill>
-              <a:srgbClr val="599BD5"/>
+              <a:srgbClr val="B85410"/>
             </a:solidFill>
             <a:ln w="12700" cap="flat" cmpd="sng">
               <a:solidFill>
@@ -21176,7 +21176,7 @@
               </a:avLst>
             </a:prstGeom>
             <a:solidFill>
-              <a:srgbClr val="CFDEEF">
+              <a:srgbClr val="E4AF3D">
                 <a:alpha val="89803"/>
               </a:srgbClr>
             </a:solidFill>
@@ -21292,7 +21292,7 @@
               <a:avLst/>
             </a:prstGeom>
             <a:solidFill>
-              <a:srgbClr val="599BD5"/>
+              <a:srgbClr val="B85410"/>
             </a:solidFill>
             <a:ln w="12700" cap="flat" cmpd="sng">
               <a:solidFill>
@@ -21402,7 +21402,7 @@
               </a:avLst>
             </a:prstGeom>
             <a:solidFill>
-              <a:srgbClr val="CFDEEF">
+              <a:srgbClr val="E4AF3D">
                 <a:alpha val="89803"/>
               </a:srgbClr>
             </a:solidFill>
@@ -21558,7 +21558,7 @@
               <a:avLst/>
             </a:prstGeom>
             <a:solidFill>
-              <a:srgbClr val="599BD5"/>
+              <a:srgbClr val="B85410"/>
             </a:solidFill>
             <a:ln w="12700" cap="flat" cmpd="sng">
               <a:solidFill>
